--- a/figure/metaDE/metaOmics_DE.pptx
+++ b/figure/metaDE/metaOmics_DE.pptx
@@ -4,9 +4,13 @@
   <p:sldMasterIdLst>
     <p:sldMasterId id="2147483648" r:id="rId1"/>
   </p:sldMasterIdLst>
+  <p:notesMasterIdLst>
+    <p:notesMasterId r:id="rId5"/>
+  </p:notesMasterIdLst>
   <p:sldIdLst>
     <p:sldId id="256" r:id="rId2"/>
     <p:sldId id="257" r:id="rId3"/>
+    <p:sldId id="258" r:id="rId4"/>
   </p:sldIdLst>
   <p:sldSz cx="12192000" cy="6858000"/>
   <p:notesSz cx="6858000" cy="9144000"/>
@@ -111,6 +115,356 @@
     </p:ext>
   </p:extLst>
 </p:presentation>
+</file>
+
+<file path=ppt/notesMasters/notesMaster1.xml><?xml version="1.0" encoding="utf-8"?>
+<p:notesMaster xmlns:a="http://schemas.openxmlformats.org/drawingml/2006/main" xmlns:r="http://schemas.openxmlformats.org/officeDocument/2006/relationships" xmlns:p="http://schemas.openxmlformats.org/presentationml/2006/main">
+  <p:cSld>
+    <p:bg>
+      <p:bgRef idx="1001">
+        <a:schemeClr val="bg1"/>
+      </p:bgRef>
+    </p:bg>
+    <p:spTree>
+      <p:nvGrpSpPr>
+        <p:cNvPr id="1" name=""/>
+        <p:cNvGrpSpPr/>
+        <p:nvPr/>
+      </p:nvGrpSpPr>
+      <p:grpSpPr>
+        <a:xfrm>
+          <a:off x="0" y="0"/>
+          <a:ext cx="0" cy="0"/>
+          <a:chOff x="0" y="0"/>
+          <a:chExt cx="0" cy="0"/>
+        </a:xfrm>
+      </p:grpSpPr>
+      <p:sp>
+        <p:nvSpPr>
+          <p:cNvPr id="2" name="Header Placeholder 1"/>
+          <p:cNvSpPr>
+            <a:spLocks noGrp="1"/>
+          </p:cNvSpPr>
+          <p:nvPr>
+            <p:ph type="hdr" sz="quarter"/>
+          </p:nvPr>
+        </p:nvSpPr>
+        <p:spPr>
+          <a:xfrm>
+            <a:off x="0" y="0"/>
+            <a:ext cx="2971800" cy="458788"/>
+          </a:xfrm>
+          <a:prstGeom prst="rect">
+            <a:avLst/>
+          </a:prstGeom>
+        </p:spPr>
+        <p:txBody>
+          <a:bodyPr vert="horz" lIns="91440" tIns="45720" rIns="91440" bIns="45720" rtlCol="0"/>
+          <a:lstStyle>
+            <a:lvl1pPr algn="l">
+              <a:defRPr sz="1200"/>
+            </a:lvl1pPr>
+          </a:lstStyle>
+          <a:p>
+            <a:endParaRPr lang="en-US"/>
+          </a:p>
+        </p:txBody>
+      </p:sp>
+      <p:sp>
+        <p:nvSpPr>
+          <p:cNvPr id="3" name="Date Placeholder 2"/>
+          <p:cNvSpPr>
+            <a:spLocks noGrp="1"/>
+          </p:cNvSpPr>
+          <p:nvPr>
+            <p:ph type="dt" idx="1"/>
+          </p:nvPr>
+        </p:nvSpPr>
+        <p:spPr>
+          <a:xfrm>
+            <a:off x="3884613" y="0"/>
+            <a:ext cx="2971800" cy="458788"/>
+          </a:xfrm>
+          <a:prstGeom prst="rect">
+            <a:avLst/>
+          </a:prstGeom>
+        </p:spPr>
+        <p:txBody>
+          <a:bodyPr vert="horz" lIns="91440" tIns="45720" rIns="91440" bIns="45720" rtlCol="0"/>
+          <a:lstStyle>
+            <a:lvl1pPr algn="r">
+              <a:defRPr sz="1200"/>
+            </a:lvl1pPr>
+          </a:lstStyle>
+          <a:p>
+            <a:fld id="{83623CD3-2637-5C4E-B4A9-3752156357C2}" type="datetimeFigureOut">
+              <a:rPr lang="en-US" smtClean="0"/>
+              <a:t>10/13/17</a:t>
+            </a:fld>
+            <a:endParaRPr lang="en-US"/>
+          </a:p>
+        </p:txBody>
+      </p:sp>
+      <p:sp>
+        <p:nvSpPr>
+          <p:cNvPr id="4" name="Slide Image Placeholder 3"/>
+          <p:cNvSpPr>
+            <a:spLocks noGrp="1" noRot="1" noChangeAspect="1"/>
+          </p:cNvSpPr>
+          <p:nvPr>
+            <p:ph type="sldImg" idx="2"/>
+          </p:nvPr>
+        </p:nvSpPr>
+        <p:spPr>
+          <a:xfrm>
+            <a:off x="685800" y="1143000"/>
+            <a:ext cx="5486400" cy="3086100"/>
+          </a:xfrm>
+          <a:prstGeom prst="rect">
+            <a:avLst/>
+          </a:prstGeom>
+          <a:noFill/>
+          <a:ln w="12700">
+            <a:solidFill>
+              <a:prstClr val="black"/>
+            </a:solidFill>
+          </a:ln>
+        </p:spPr>
+        <p:txBody>
+          <a:bodyPr vert="horz" lIns="91440" tIns="45720" rIns="91440" bIns="45720" rtlCol="0" anchor="ctr"/>
+          <a:lstStyle/>
+          <a:p>
+            <a:endParaRPr lang="en-US"/>
+          </a:p>
+        </p:txBody>
+      </p:sp>
+      <p:sp>
+        <p:nvSpPr>
+          <p:cNvPr id="5" name="Notes Placeholder 4"/>
+          <p:cNvSpPr>
+            <a:spLocks noGrp="1"/>
+          </p:cNvSpPr>
+          <p:nvPr>
+            <p:ph type="body" sz="quarter" idx="3"/>
+          </p:nvPr>
+        </p:nvSpPr>
+        <p:spPr>
+          <a:xfrm>
+            <a:off x="685800" y="4400550"/>
+            <a:ext cx="5486400" cy="3600450"/>
+          </a:xfrm>
+          <a:prstGeom prst="rect">
+            <a:avLst/>
+          </a:prstGeom>
+        </p:spPr>
+        <p:txBody>
+          <a:bodyPr vert="horz" lIns="91440" tIns="45720" rIns="91440" bIns="45720" rtlCol="0"/>
+          <a:lstStyle/>
+          <a:p>
+            <a:pPr lvl="0"/>
+            <a:r>
+              <a:rPr lang="en-US" smtClean="0"/>
+              <a:t>Click to edit Master text styles</a:t>
+            </a:r>
+          </a:p>
+          <a:p>
+            <a:pPr lvl="1"/>
+            <a:r>
+              <a:rPr lang="en-US" smtClean="0"/>
+              <a:t>Second level</a:t>
+            </a:r>
+          </a:p>
+          <a:p>
+            <a:pPr lvl="2"/>
+            <a:r>
+              <a:rPr lang="en-US" smtClean="0"/>
+              <a:t>Third level</a:t>
+            </a:r>
+          </a:p>
+          <a:p>
+            <a:pPr lvl="3"/>
+            <a:r>
+              <a:rPr lang="en-US" smtClean="0"/>
+              <a:t>Fourth level</a:t>
+            </a:r>
+          </a:p>
+          <a:p>
+            <a:pPr lvl="4"/>
+            <a:r>
+              <a:rPr lang="en-US" smtClean="0"/>
+              <a:t>Fifth level</a:t>
+            </a:r>
+            <a:endParaRPr lang="en-US"/>
+          </a:p>
+        </p:txBody>
+      </p:sp>
+      <p:sp>
+        <p:nvSpPr>
+          <p:cNvPr id="6" name="Footer Placeholder 5"/>
+          <p:cNvSpPr>
+            <a:spLocks noGrp="1"/>
+          </p:cNvSpPr>
+          <p:nvPr>
+            <p:ph type="ftr" sz="quarter" idx="4"/>
+          </p:nvPr>
+        </p:nvSpPr>
+        <p:spPr>
+          <a:xfrm>
+            <a:off x="0" y="8685213"/>
+            <a:ext cx="2971800" cy="458787"/>
+          </a:xfrm>
+          <a:prstGeom prst="rect">
+            <a:avLst/>
+          </a:prstGeom>
+        </p:spPr>
+        <p:txBody>
+          <a:bodyPr vert="horz" lIns="91440" tIns="45720" rIns="91440" bIns="45720" rtlCol="0" anchor="b"/>
+          <a:lstStyle>
+            <a:lvl1pPr algn="l">
+              <a:defRPr sz="1200"/>
+            </a:lvl1pPr>
+          </a:lstStyle>
+          <a:p>
+            <a:endParaRPr lang="en-US"/>
+          </a:p>
+        </p:txBody>
+      </p:sp>
+      <p:sp>
+        <p:nvSpPr>
+          <p:cNvPr id="7" name="Slide Number Placeholder 6"/>
+          <p:cNvSpPr>
+            <a:spLocks noGrp="1"/>
+          </p:cNvSpPr>
+          <p:nvPr>
+            <p:ph type="sldNum" sz="quarter" idx="5"/>
+          </p:nvPr>
+        </p:nvSpPr>
+        <p:spPr>
+          <a:xfrm>
+            <a:off x="3884613" y="8685213"/>
+            <a:ext cx="2971800" cy="458787"/>
+          </a:xfrm>
+          <a:prstGeom prst="rect">
+            <a:avLst/>
+          </a:prstGeom>
+        </p:spPr>
+        <p:txBody>
+          <a:bodyPr vert="horz" lIns="91440" tIns="45720" rIns="91440" bIns="45720" rtlCol="0" anchor="b"/>
+          <a:lstStyle>
+            <a:lvl1pPr algn="r">
+              <a:defRPr sz="1200"/>
+            </a:lvl1pPr>
+          </a:lstStyle>
+          <a:p>
+            <a:fld id="{997EA987-9558-8E45-BED7-AF5A92983ADA}" type="slidenum">
+              <a:rPr lang="en-US" smtClean="0"/>
+              <a:t>‹#›</a:t>
+            </a:fld>
+            <a:endParaRPr lang="en-US"/>
+          </a:p>
+        </p:txBody>
+      </p:sp>
+    </p:spTree>
+    <p:extLst>
+      <p:ext uri="{BB962C8B-B14F-4D97-AF65-F5344CB8AC3E}">
+        <p14:creationId xmlns:p14="http://schemas.microsoft.com/office/powerpoint/2010/main" val="902754649"/>
+      </p:ext>
+    </p:extLst>
+  </p:cSld>
+  <p:clrMap bg1="lt1" tx1="dk1" bg2="lt2" tx2="dk2" accent1="accent1" accent2="accent2" accent3="accent3" accent4="accent4" accent5="accent5" accent6="accent6" hlink="hlink" folHlink="folHlink"/>
+  <p:notesStyle>
+    <a:lvl1pPr marL="0" algn="l" defTabSz="914400" rtl="0" eaLnBrk="1" latinLnBrk="0" hangingPunct="1">
+      <a:defRPr sz="1200" kern="1200">
+        <a:solidFill>
+          <a:schemeClr val="tx1"/>
+        </a:solidFill>
+        <a:latin typeface="+mn-lt"/>
+        <a:ea typeface="+mn-ea"/>
+        <a:cs typeface="+mn-cs"/>
+      </a:defRPr>
+    </a:lvl1pPr>
+    <a:lvl2pPr marL="457200" algn="l" defTabSz="914400" rtl="0" eaLnBrk="1" latinLnBrk="0" hangingPunct="1">
+      <a:defRPr sz="1200" kern="1200">
+        <a:solidFill>
+          <a:schemeClr val="tx1"/>
+        </a:solidFill>
+        <a:latin typeface="+mn-lt"/>
+        <a:ea typeface="+mn-ea"/>
+        <a:cs typeface="+mn-cs"/>
+      </a:defRPr>
+    </a:lvl2pPr>
+    <a:lvl3pPr marL="914400" algn="l" defTabSz="914400" rtl="0" eaLnBrk="1" latinLnBrk="0" hangingPunct="1">
+      <a:defRPr sz="1200" kern="1200">
+        <a:solidFill>
+          <a:schemeClr val="tx1"/>
+        </a:solidFill>
+        <a:latin typeface="+mn-lt"/>
+        <a:ea typeface="+mn-ea"/>
+        <a:cs typeface="+mn-cs"/>
+      </a:defRPr>
+    </a:lvl3pPr>
+    <a:lvl4pPr marL="1371600" algn="l" defTabSz="914400" rtl="0" eaLnBrk="1" latinLnBrk="0" hangingPunct="1">
+      <a:defRPr sz="1200" kern="1200">
+        <a:solidFill>
+          <a:schemeClr val="tx1"/>
+        </a:solidFill>
+        <a:latin typeface="+mn-lt"/>
+        <a:ea typeface="+mn-ea"/>
+        <a:cs typeface="+mn-cs"/>
+      </a:defRPr>
+    </a:lvl4pPr>
+    <a:lvl5pPr marL="1828800" algn="l" defTabSz="914400" rtl="0" eaLnBrk="1" latinLnBrk="0" hangingPunct="1">
+      <a:defRPr sz="1200" kern="1200">
+        <a:solidFill>
+          <a:schemeClr val="tx1"/>
+        </a:solidFill>
+        <a:latin typeface="+mn-lt"/>
+        <a:ea typeface="+mn-ea"/>
+        <a:cs typeface="+mn-cs"/>
+      </a:defRPr>
+    </a:lvl5pPr>
+    <a:lvl6pPr marL="2286000" algn="l" defTabSz="914400" rtl="0" eaLnBrk="1" latinLnBrk="0" hangingPunct="1">
+      <a:defRPr sz="1200" kern="1200">
+        <a:solidFill>
+          <a:schemeClr val="tx1"/>
+        </a:solidFill>
+        <a:latin typeface="+mn-lt"/>
+        <a:ea typeface="+mn-ea"/>
+        <a:cs typeface="+mn-cs"/>
+      </a:defRPr>
+    </a:lvl6pPr>
+    <a:lvl7pPr marL="2743200" algn="l" defTabSz="914400" rtl="0" eaLnBrk="1" latinLnBrk="0" hangingPunct="1">
+      <a:defRPr sz="1200" kern="1200">
+        <a:solidFill>
+          <a:schemeClr val="tx1"/>
+        </a:solidFill>
+        <a:latin typeface="+mn-lt"/>
+        <a:ea typeface="+mn-ea"/>
+        <a:cs typeface="+mn-cs"/>
+      </a:defRPr>
+    </a:lvl7pPr>
+    <a:lvl8pPr marL="3200400" algn="l" defTabSz="914400" rtl="0" eaLnBrk="1" latinLnBrk="0" hangingPunct="1">
+      <a:defRPr sz="1200" kern="1200">
+        <a:solidFill>
+          <a:schemeClr val="tx1"/>
+        </a:solidFill>
+        <a:latin typeface="+mn-lt"/>
+        <a:ea typeface="+mn-ea"/>
+        <a:cs typeface="+mn-cs"/>
+      </a:defRPr>
+    </a:lvl8pPr>
+    <a:lvl9pPr marL="3657600" algn="l" defTabSz="914400" rtl="0" eaLnBrk="1" latinLnBrk="0" hangingPunct="1">
+      <a:defRPr sz="1200" kern="1200">
+        <a:solidFill>
+          <a:schemeClr val="tx1"/>
+        </a:solidFill>
+        <a:latin typeface="+mn-lt"/>
+        <a:ea typeface="+mn-ea"/>
+        <a:cs typeface="+mn-cs"/>
+      </a:defRPr>
+    </a:lvl9pPr>
+  </p:notesStyle>
+</p:notesMaster>
 </file>
 
 <file path=ppt/slideLayouts/slideLayout1.xml><?xml version="1.0" encoding="utf-8"?>
@@ -3879,7 +4233,7 @@
       </p:grpSpPr>
       <p:pic>
         <p:nvPicPr>
-          <p:cNvPr id="2" name="Picture 1"/>
+          <p:cNvPr id="8" name="Picture 7"/>
           <p:cNvPicPr>
             <a:picLocks noChangeAspect="1"/>
           </p:cNvPicPr>
@@ -3899,14 +4253,81 @@
         </p:blipFill>
         <p:spPr>
           <a:xfrm>
-            <a:off x="1701800" y="0"/>
-            <a:ext cx="8781964" cy="6858000"/>
+            <a:off x="0" y="0"/>
+            <a:ext cx="5360918" cy="3864038"/>
           </a:xfrm>
           <a:prstGeom prst="rect">
             <a:avLst/>
           </a:prstGeom>
         </p:spPr>
       </p:pic>
+      <p:pic>
+        <p:nvPicPr>
+          <p:cNvPr id="9" name="Picture 8"/>
+          <p:cNvPicPr>
+            <a:picLocks noChangeAspect="1"/>
+          </p:cNvPicPr>
+          <p:nvPr/>
+        </p:nvPicPr>
+        <p:blipFill>
+          <a:blip r:embed="rId3">
+            <a:extLst>
+              <a:ext uri="{28A0092B-C50C-407E-A947-70E740481C1C}">
+                <a14:useLocalDpi xmlns:a14="http://schemas.microsoft.com/office/drawing/2010/main" val="0"/>
+              </a:ext>
+            </a:extLst>
+          </a:blip>
+          <a:stretch>
+            <a:fillRect/>
+          </a:stretch>
+        </p:blipFill>
+        <p:spPr>
+          <a:xfrm>
+            <a:off x="0" y="3864038"/>
+            <a:ext cx="5522495" cy="2993962"/>
+          </a:xfrm>
+          <a:prstGeom prst="rect">
+            <a:avLst/>
+          </a:prstGeom>
+        </p:spPr>
+      </p:pic>
+    </p:spTree>
+    <p:extLst>
+      <p:ext uri="{BB962C8B-B14F-4D97-AF65-F5344CB8AC3E}">
+        <p14:creationId xmlns:p14="http://schemas.microsoft.com/office/powerpoint/2010/main" val="254791904"/>
+      </p:ext>
+    </p:extLst>
+  </p:cSld>
+  <p:clrMapOvr>
+    <a:masterClrMapping/>
+  </p:clrMapOvr>
+  <p:timing>
+    <p:tnLst>
+      <p:par>
+        <p:cTn id="1" dur="indefinite" restart="never" nodeType="tmRoot"/>
+      </p:par>
+    </p:tnLst>
+  </p:timing>
+</p:sld>
+</file>
+
+<file path=ppt/slides/slide3.xml><?xml version="1.0" encoding="utf-8"?>
+<p:sld xmlns:a="http://schemas.openxmlformats.org/drawingml/2006/main" xmlns:r="http://schemas.openxmlformats.org/officeDocument/2006/relationships" xmlns:p="http://schemas.openxmlformats.org/presentationml/2006/main">
+  <p:cSld>
+    <p:spTree>
+      <p:nvGrpSpPr>
+        <p:cNvPr id="1" name=""/>
+        <p:cNvGrpSpPr/>
+        <p:nvPr/>
+      </p:nvGrpSpPr>
+      <p:grpSpPr>
+        <a:xfrm>
+          <a:off x="0" y="0"/>
+          <a:ext cx="0" cy="0"/>
+          <a:chOff x="0" y="0"/>
+          <a:chExt cx="0" cy="0"/>
+        </a:xfrm>
+      </p:grpSpPr>
       <p:sp>
         <p:nvSpPr>
           <p:cNvPr id="3" name="Rounded Rectangle 2"/>
@@ -4078,7 +4499,7 @@
     </p:spTree>
     <p:extLst>
       <p:ext uri="{BB962C8B-B14F-4D97-AF65-F5344CB8AC3E}">
-        <p14:creationId xmlns:p14="http://schemas.microsoft.com/office/powerpoint/2010/main" val="254791904"/>
+        <p14:creationId xmlns:p14="http://schemas.microsoft.com/office/powerpoint/2010/main" val="625419688"/>
       </p:ext>
     </p:extLst>
   </p:cSld>
@@ -4354,4 +4775,265 @@
     </a:ext>
   </a:extLst>
 </a:theme>
+</file>
+
+<file path=ppt/theme/theme2.xml><?xml version="1.0" encoding="utf-8"?>
+<a:theme xmlns:a="http://schemas.openxmlformats.org/drawingml/2006/main" name="Office Theme">
+  <a:themeElements>
+    <a:clrScheme name="Office">
+      <a:dk1>
+        <a:sysClr val="windowText" lastClr="000000"/>
+      </a:dk1>
+      <a:lt1>
+        <a:sysClr val="window" lastClr="FFFFFF"/>
+      </a:lt1>
+      <a:dk2>
+        <a:srgbClr val="44546A"/>
+      </a:dk2>
+      <a:lt2>
+        <a:srgbClr val="E7E6E6"/>
+      </a:lt2>
+      <a:accent1>
+        <a:srgbClr val="4472C4"/>
+      </a:accent1>
+      <a:accent2>
+        <a:srgbClr val="ED7D31"/>
+      </a:accent2>
+      <a:accent3>
+        <a:srgbClr val="A5A5A5"/>
+      </a:accent3>
+      <a:accent4>
+        <a:srgbClr val="FFC000"/>
+      </a:accent4>
+      <a:accent5>
+        <a:srgbClr val="5B9BD5"/>
+      </a:accent5>
+      <a:accent6>
+        <a:srgbClr val="70AD47"/>
+      </a:accent6>
+      <a:hlink>
+        <a:srgbClr val="0563C1"/>
+      </a:hlink>
+      <a:folHlink>
+        <a:srgbClr val="954F72"/>
+      </a:folHlink>
+    </a:clrScheme>
+    <a:fontScheme name="Office">
+      <a:majorFont>
+        <a:latin typeface="Calibri Light" panose="020F0302020204030204"/>
+        <a:ea typeface=""/>
+        <a:cs typeface=""/>
+        <a:font script="Jpan" typeface="Yu Gothic Light"/>
+        <a:font script="Hang" typeface="맑은 고딕"/>
+        <a:font script="Hans" typeface="DengXian Light"/>
+        <a:font script="Hant" typeface="新細明體"/>
+        <a:font script="Arab" typeface="Times New Roman"/>
+        <a:font script="Hebr" typeface="Times New Roman"/>
+        <a:font script="Thai" typeface="Angsana New"/>
+        <a:font script="Ethi" typeface="Nyala"/>
+        <a:font script="Beng" typeface="Vrinda"/>
+        <a:font script="Gujr" typeface="Shruti"/>
+        <a:font script="Khmr" typeface="MoolBoran"/>
+        <a:font script="Knda" typeface="Tunga"/>
+        <a:font script="Guru" typeface="Raavi"/>
+        <a:font script="Cans" typeface="Euphemia"/>
+        <a:font script="Cher" typeface="Plantagenet Cherokee"/>
+        <a:font script="Yiii" typeface="Microsoft Yi Baiti"/>
+        <a:font script="Tibt" typeface="Microsoft Himalaya"/>
+        <a:font script="Thaa" typeface="MV Boli"/>
+        <a:font script="Deva" typeface="Mangal"/>
+        <a:font script="Telu" typeface="Gautami"/>
+        <a:font script="Taml" typeface="Latha"/>
+        <a:font script="Syrc" typeface="Estrangelo Edessa"/>
+        <a:font script="Orya" typeface="Kalinga"/>
+        <a:font script="Mlym" typeface="Kartika"/>
+        <a:font script="Laoo" typeface="DokChampa"/>
+        <a:font script="Sinh" typeface="Iskoola Pota"/>
+        <a:font script="Mong" typeface="Mongolian Baiti"/>
+        <a:font script="Viet" typeface="Times New Roman"/>
+        <a:font script="Uigh" typeface="Microsoft Uighur"/>
+        <a:font script="Geor" typeface="Sylfaen"/>
+      </a:majorFont>
+      <a:minorFont>
+        <a:latin typeface="Calibri" panose="020F0502020204030204"/>
+        <a:ea typeface=""/>
+        <a:cs typeface=""/>
+        <a:font script="Jpan" typeface="Yu Gothic"/>
+        <a:font script="Hang" typeface="맑은 고딕"/>
+        <a:font script="Hans" typeface="DengXian"/>
+        <a:font script="Hant" typeface="新細明體"/>
+        <a:font script="Arab" typeface="Arial"/>
+        <a:font script="Hebr" typeface="Arial"/>
+        <a:font script="Thai" typeface="Cordia New"/>
+        <a:font script="Ethi" typeface="Nyala"/>
+        <a:font script="Beng" typeface="Vrinda"/>
+        <a:font script="Gujr" typeface="Shruti"/>
+        <a:font script="Khmr" typeface="DaunPenh"/>
+        <a:font script="Knda" typeface="Tunga"/>
+        <a:font script="Guru" typeface="Raavi"/>
+        <a:font script="Cans" typeface="Euphemia"/>
+        <a:font script="Cher" typeface="Plantagenet Cherokee"/>
+        <a:font script="Yiii" typeface="Microsoft Yi Baiti"/>
+        <a:font script="Tibt" typeface="Microsoft Himalaya"/>
+        <a:font script="Thaa" typeface="MV Boli"/>
+        <a:font script="Deva" typeface="Mangal"/>
+        <a:font script="Telu" typeface="Gautami"/>
+        <a:font script="Taml" typeface="Latha"/>
+        <a:font script="Syrc" typeface="Estrangelo Edessa"/>
+        <a:font script="Orya" typeface="Kalinga"/>
+        <a:font script="Mlym" typeface="Kartika"/>
+        <a:font script="Laoo" typeface="DokChampa"/>
+        <a:font script="Sinh" typeface="Iskoola Pota"/>
+        <a:font script="Mong" typeface="Mongolian Baiti"/>
+        <a:font script="Viet" typeface="Arial"/>
+        <a:font script="Uigh" typeface="Microsoft Uighur"/>
+        <a:font script="Geor" typeface="Sylfaen"/>
+      </a:minorFont>
+    </a:fontScheme>
+    <a:fmtScheme name="Office">
+      <a:fillStyleLst>
+        <a:solidFill>
+          <a:schemeClr val="phClr"/>
+        </a:solidFill>
+        <a:gradFill rotWithShape="1">
+          <a:gsLst>
+            <a:gs pos="0">
+              <a:schemeClr val="phClr">
+                <a:lumMod val="110000"/>
+                <a:satMod val="105000"/>
+                <a:tint val="67000"/>
+              </a:schemeClr>
+            </a:gs>
+            <a:gs pos="50000">
+              <a:schemeClr val="phClr">
+                <a:lumMod val="105000"/>
+                <a:satMod val="103000"/>
+                <a:tint val="73000"/>
+              </a:schemeClr>
+            </a:gs>
+            <a:gs pos="100000">
+              <a:schemeClr val="phClr">
+                <a:lumMod val="105000"/>
+                <a:satMod val="109000"/>
+                <a:tint val="81000"/>
+              </a:schemeClr>
+            </a:gs>
+          </a:gsLst>
+          <a:lin ang="5400000" scaled="0"/>
+        </a:gradFill>
+        <a:gradFill rotWithShape="1">
+          <a:gsLst>
+            <a:gs pos="0">
+              <a:schemeClr val="phClr">
+                <a:satMod val="103000"/>
+                <a:lumMod val="102000"/>
+                <a:tint val="94000"/>
+              </a:schemeClr>
+            </a:gs>
+            <a:gs pos="50000">
+              <a:schemeClr val="phClr">
+                <a:satMod val="110000"/>
+                <a:lumMod val="100000"/>
+                <a:shade val="100000"/>
+              </a:schemeClr>
+            </a:gs>
+            <a:gs pos="100000">
+              <a:schemeClr val="phClr">
+                <a:lumMod val="99000"/>
+                <a:satMod val="120000"/>
+                <a:shade val="78000"/>
+              </a:schemeClr>
+            </a:gs>
+          </a:gsLst>
+          <a:lin ang="5400000" scaled="0"/>
+        </a:gradFill>
+      </a:fillStyleLst>
+      <a:lnStyleLst>
+        <a:ln w="6350" cap="flat" cmpd="sng" algn="ctr">
+          <a:solidFill>
+            <a:schemeClr val="phClr"/>
+          </a:solidFill>
+          <a:prstDash val="solid"/>
+          <a:miter lim="800000"/>
+        </a:ln>
+        <a:ln w="12700" cap="flat" cmpd="sng" algn="ctr">
+          <a:solidFill>
+            <a:schemeClr val="phClr"/>
+          </a:solidFill>
+          <a:prstDash val="solid"/>
+          <a:miter lim="800000"/>
+        </a:ln>
+        <a:ln w="19050" cap="flat" cmpd="sng" algn="ctr">
+          <a:solidFill>
+            <a:schemeClr val="phClr"/>
+          </a:solidFill>
+          <a:prstDash val="solid"/>
+          <a:miter lim="800000"/>
+        </a:ln>
+      </a:lnStyleLst>
+      <a:effectStyleLst>
+        <a:effectStyle>
+          <a:effectLst/>
+        </a:effectStyle>
+        <a:effectStyle>
+          <a:effectLst/>
+        </a:effectStyle>
+        <a:effectStyle>
+          <a:effectLst>
+            <a:outerShdw blurRad="57150" dist="19050" dir="5400000" algn="ctr" rotWithShape="0">
+              <a:srgbClr val="000000">
+                <a:alpha val="63000"/>
+              </a:srgbClr>
+            </a:outerShdw>
+          </a:effectLst>
+        </a:effectStyle>
+      </a:effectStyleLst>
+      <a:bgFillStyleLst>
+        <a:solidFill>
+          <a:schemeClr val="phClr"/>
+        </a:solidFill>
+        <a:solidFill>
+          <a:schemeClr val="phClr">
+            <a:tint val="95000"/>
+            <a:satMod val="170000"/>
+          </a:schemeClr>
+        </a:solidFill>
+        <a:gradFill rotWithShape="1">
+          <a:gsLst>
+            <a:gs pos="0">
+              <a:schemeClr val="phClr">
+                <a:tint val="93000"/>
+                <a:satMod val="150000"/>
+                <a:shade val="98000"/>
+                <a:lumMod val="102000"/>
+              </a:schemeClr>
+            </a:gs>
+            <a:gs pos="50000">
+              <a:schemeClr val="phClr">
+                <a:tint val="98000"/>
+                <a:satMod val="130000"/>
+                <a:shade val="90000"/>
+                <a:lumMod val="103000"/>
+              </a:schemeClr>
+            </a:gs>
+            <a:gs pos="100000">
+              <a:schemeClr val="phClr">
+                <a:shade val="63000"/>
+                <a:satMod val="120000"/>
+              </a:schemeClr>
+            </a:gs>
+          </a:gsLst>
+          <a:lin ang="5400000" scaled="0"/>
+        </a:gradFill>
+      </a:bgFillStyleLst>
+    </a:fmtScheme>
+  </a:themeElements>
+  <a:objectDefaults/>
+  <a:extraClrSchemeLst/>
+  <a:extLst>
+    <a:ext uri="{05A4C25C-085E-4340-85A3-A5531E510DB2}">
+      <thm15:themeFamily xmlns:thm15="http://schemas.microsoft.com/office/thememl/2012/main" name="Office Theme" id="{62F939B6-93AF-4DB8-9C6B-D6C7DFDC589F}" vid="{4A3C46E8-61CC-4603-A589-7422A47A8E4A}"/>
+    </a:ext>
+  </a:extLst>
+</a:theme>
 </file>
--- a/figure/metaDE/metaOmics_DE.pptx
+++ b/figure/metaDE/metaOmics_DE.pptx
@@ -5,12 +5,13 @@
     <p:sldMasterId id="2147483648" r:id="rId1"/>
   </p:sldMasterIdLst>
   <p:notesMasterIdLst>
-    <p:notesMasterId r:id="rId5"/>
+    <p:notesMasterId r:id="rId6"/>
   </p:notesMasterIdLst>
   <p:sldIdLst>
     <p:sldId id="256" r:id="rId2"/>
-    <p:sldId id="257" r:id="rId3"/>
-    <p:sldId id="258" r:id="rId4"/>
+    <p:sldId id="260" r:id="rId3"/>
+    <p:sldId id="257" r:id="rId4"/>
+    <p:sldId id="261" r:id="rId5"/>
   </p:sldIdLst>
   <p:sldSz cx="12192000" cy="6858000"/>
   <p:notesSz cx="6858000" cy="9144000"/>
@@ -199,7 +200,7 @@
           <a:p>
             <a:fld id="{83623CD3-2637-5C4E-B4A9-3752156357C2}" type="datetimeFigureOut">
               <a:rPr lang="en-US" smtClean="0"/>
-              <a:t>10/13/17</a:t>
+              <a:t>4/15/18</a:t>
             </a:fld>
             <a:endParaRPr lang="en-US"/>
           </a:p>
@@ -598,7 +599,7 @@
           <a:p>
             <a:fld id="{1E7AFF6D-C634-F340-858C-AA8EB9E22029}" type="datetimeFigureOut">
               <a:rPr lang="en-US" smtClean="0"/>
-              <a:t>10/13/17</a:t>
+              <a:t>4/15/18</a:t>
             </a:fld>
             <a:endParaRPr lang="en-US"/>
           </a:p>
@@ -768,7 +769,7 @@
           <a:p>
             <a:fld id="{1E7AFF6D-C634-F340-858C-AA8EB9E22029}" type="datetimeFigureOut">
               <a:rPr lang="en-US" smtClean="0"/>
-              <a:t>10/13/17</a:t>
+              <a:t>4/15/18</a:t>
             </a:fld>
             <a:endParaRPr lang="en-US"/>
           </a:p>
@@ -948,7 +949,7 @@
           <a:p>
             <a:fld id="{1E7AFF6D-C634-F340-858C-AA8EB9E22029}" type="datetimeFigureOut">
               <a:rPr lang="en-US" smtClean="0"/>
-              <a:t>10/13/17</a:t>
+              <a:t>4/15/18</a:t>
             </a:fld>
             <a:endParaRPr lang="en-US"/>
           </a:p>
@@ -1118,7 +1119,7 @@
           <a:p>
             <a:fld id="{1E7AFF6D-C634-F340-858C-AA8EB9E22029}" type="datetimeFigureOut">
               <a:rPr lang="en-US" smtClean="0"/>
-              <a:t>10/13/17</a:t>
+              <a:t>4/15/18</a:t>
             </a:fld>
             <a:endParaRPr lang="en-US"/>
           </a:p>
@@ -1364,7 +1365,7 @@
           <a:p>
             <a:fld id="{1E7AFF6D-C634-F340-858C-AA8EB9E22029}" type="datetimeFigureOut">
               <a:rPr lang="en-US" smtClean="0"/>
-              <a:t>10/13/17</a:t>
+              <a:t>4/15/18</a:t>
             </a:fld>
             <a:endParaRPr lang="en-US"/>
           </a:p>
@@ -1596,7 +1597,7 @@
           <a:p>
             <a:fld id="{1E7AFF6D-C634-F340-858C-AA8EB9E22029}" type="datetimeFigureOut">
               <a:rPr lang="en-US" smtClean="0"/>
-              <a:t>10/13/17</a:t>
+              <a:t>4/15/18</a:t>
             </a:fld>
             <a:endParaRPr lang="en-US"/>
           </a:p>
@@ -1963,7 +1964,7 @@
           <a:p>
             <a:fld id="{1E7AFF6D-C634-F340-858C-AA8EB9E22029}" type="datetimeFigureOut">
               <a:rPr lang="en-US" smtClean="0"/>
-              <a:t>10/13/17</a:t>
+              <a:t>4/15/18</a:t>
             </a:fld>
             <a:endParaRPr lang="en-US"/>
           </a:p>
@@ -2081,7 +2082,7 @@
           <a:p>
             <a:fld id="{1E7AFF6D-C634-F340-858C-AA8EB9E22029}" type="datetimeFigureOut">
               <a:rPr lang="en-US" smtClean="0"/>
-              <a:t>10/13/17</a:t>
+              <a:t>4/15/18</a:t>
             </a:fld>
             <a:endParaRPr lang="en-US"/>
           </a:p>
@@ -2176,7 +2177,7 @@
           <a:p>
             <a:fld id="{1E7AFF6D-C634-F340-858C-AA8EB9E22029}" type="datetimeFigureOut">
               <a:rPr lang="en-US" smtClean="0"/>
-              <a:t>10/13/17</a:t>
+              <a:t>4/15/18</a:t>
             </a:fld>
             <a:endParaRPr lang="en-US"/>
           </a:p>
@@ -2453,7 +2454,7 @@
           <a:p>
             <a:fld id="{1E7AFF6D-C634-F340-858C-AA8EB9E22029}" type="datetimeFigureOut">
               <a:rPr lang="en-US" smtClean="0"/>
-              <a:t>10/13/17</a:t>
+              <a:t>4/15/18</a:t>
             </a:fld>
             <a:endParaRPr lang="en-US"/>
           </a:p>
@@ -2706,7 +2707,7 @@
           <a:p>
             <a:fld id="{1E7AFF6D-C634-F340-858C-AA8EB9E22029}" type="datetimeFigureOut">
               <a:rPr lang="en-US" smtClean="0"/>
-              <a:t>10/13/17</a:t>
+              <a:t>4/15/18</a:t>
             </a:fld>
             <a:endParaRPr lang="en-US"/>
           </a:p>
@@ -2919,7 +2920,7 @@
           <a:p>
             <a:fld id="{1E7AFF6D-C634-F340-858C-AA8EB9E22029}" type="datetimeFigureOut">
               <a:rPr lang="en-US" smtClean="0"/>
-              <a:t>10/13/17</a:t>
+              <a:t>4/15/18</a:t>
             </a:fld>
             <a:endParaRPr lang="en-US"/>
           </a:p>
@@ -3326,7 +3327,7 @@
       </p:grpSpPr>
       <p:pic>
         <p:nvPicPr>
-          <p:cNvPr id="11" name="Picture 10"/>
+          <p:cNvPr id="2" name="Picture 1"/>
           <p:cNvPicPr>
             <a:picLocks noChangeAspect="1"/>
           </p:cNvPicPr>
@@ -3346,8 +3347,8 @@
         </p:blipFill>
         <p:spPr>
           <a:xfrm>
-            <a:off x="4013200" y="0"/>
-            <a:ext cx="4141571" cy="6858000"/>
+            <a:off x="3804014" y="0"/>
+            <a:ext cx="4660855" cy="6858000"/>
           </a:xfrm>
           <a:prstGeom prst="rect">
             <a:avLst/>
@@ -3362,8 +3363,8 @@
         </p:nvSpPr>
         <p:spPr>
           <a:xfrm>
-            <a:off x="3912284" y="600618"/>
-            <a:ext cx="4343401" cy="574766"/>
+            <a:off x="3912279" y="1160666"/>
+            <a:ext cx="4343401" cy="509416"/>
           </a:xfrm>
           <a:prstGeom prst="roundRect">
             <a:avLst/>
@@ -3408,7 +3409,7 @@
         </p:nvSpPr>
         <p:spPr>
           <a:xfrm>
-            <a:off x="3409768" y="672745"/>
+            <a:off x="3409768" y="1129951"/>
             <a:ext cx="603431" cy="369332"/>
           </a:xfrm>
           <a:prstGeom prst="rect">
@@ -3446,7 +3447,7 @@
         </p:nvSpPr>
         <p:spPr>
           <a:xfrm>
-            <a:off x="3409767" y="1319638"/>
+            <a:off x="3409767" y="1728716"/>
             <a:ext cx="603431" cy="369332"/>
           </a:xfrm>
           <a:prstGeom prst="rect">
@@ -3484,8 +3485,8 @@
         </p:nvSpPr>
         <p:spPr>
           <a:xfrm>
-            <a:off x="3912283" y="1247511"/>
-            <a:ext cx="4343401" cy="574766"/>
+            <a:off x="3912280" y="1713017"/>
+            <a:ext cx="4343401" cy="518907"/>
           </a:xfrm>
           <a:prstGeom prst="roundRect">
             <a:avLst/>
@@ -3530,7 +3531,7 @@
         </p:nvSpPr>
         <p:spPr>
           <a:xfrm>
-            <a:off x="3409767" y="1935161"/>
+            <a:off x="3409767" y="2187828"/>
             <a:ext cx="603431" cy="369332"/>
           </a:xfrm>
           <a:prstGeom prst="rect">
@@ -3568,8 +3569,8 @@
         </p:nvSpPr>
         <p:spPr>
           <a:xfrm>
-            <a:off x="3912283" y="1906914"/>
-            <a:ext cx="4343401" cy="439246"/>
+            <a:off x="3912281" y="2315473"/>
+            <a:ext cx="4343401" cy="343564"/>
           </a:xfrm>
           <a:prstGeom prst="roundRect">
             <a:avLst/>
@@ -3614,7 +3615,7 @@
         </p:nvSpPr>
         <p:spPr>
           <a:xfrm>
-            <a:off x="3409767" y="2412167"/>
+            <a:off x="3409767" y="2664834"/>
             <a:ext cx="603431" cy="369332"/>
           </a:xfrm>
           <a:prstGeom prst="rect">
@@ -3652,8 +3653,8 @@
         </p:nvSpPr>
         <p:spPr>
           <a:xfrm>
-            <a:off x="3912283" y="2383920"/>
-            <a:ext cx="4343401" cy="439246"/>
+            <a:off x="3912282" y="2722047"/>
+            <a:ext cx="4343401" cy="376235"/>
           </a:xfrm>
           <a:prstGeom prst="roundRect">
             <a:avLst/>
@@ -3698,7 +3699,7 @@
         </p:nvSpPr>
         <p:spPr>
           <a:xfrm>
-            <a:off x="3409767" y="2887922"/>
+            <a:off x="3409767" y="3140589"/>
             <a:ext cx="603431" cy="369332"/>
           </a:xfrm>
           <a:prstGeom prst="rect">
@@ -3736,8 +3737,8 @@
         </p:nvSpPr>
         <p:spPr>
           <a:xfrm>
-            <a:off x="3912283" y="2859675"/>
-            <a:ext cx="4343401" cy="439246"/>
+            <a:off x="3912283" y="3177709"/>
+            <a:ext cx="4343401" cy="359573"/>
           </a:xfrm>
           <a:prstGeom prst="roundRect">
             <a:avLst/>
@@ -3782,7 +3783,7 @@
         </p:nvSpPr>
         <p:spPr>
           <a:xfrm>
-            <a:off x="3409767" y="3537282"/>
+            <a:off x="3409767" y="3729789"/>
             <a:ext cx="603431" cy="369332"/>
           </a:xfrm>
           <a:prstGeom prst="rect">
@@ -3820,8 +3821,8 @@
         </p:nvSpPr>
         <p:spPr>
           <a:xfrm>
-            <a:off x="3912283" y="3509035"/>
-            <a:ext cx="4343401" cy="439246"/>
+            <a:off x="3912283" y="3756460"/>
+            <a:ext cx="4343401" cy="372297"/>
           </a:xfrm>
           <a:prstGeom prst="roundRect">
             <a:avLst/>
@@ -3866,7 +3867,7 @@
         </p:nvSpPr>
         <p:spPr>
           <a:xfrm>
-            <a:off x="3409767" y="4139737"/>
+            <a:off x="3409767" y="4332244"/>
             <a:ext cx="603431" cy="369332"/>
           </a:xfrm>
           <a:prstGeom prst="rect">
@@ -3904,8 +3905,8 @@
         </p:nvSpPr>
         <p:spPr>
           <a:xfrm>
-            <a:off x="3912283" y="4111490"/>
-            <a:ext cx="4343401" cy="439246"/>
+            <a:off x="3912283" y="4364154"/>
+            <a:ext cx="4343401" cy="325157"/>
           </a:xfrm>
           <a:prstGeom prst="roundRect">
             <a:avLst/>
@@ -3950,7 +3951,7 @@
         </p:nvSpPr>
         <p:spPr>
           <a:xfrm>
-            <a:off x="3409767" y="4755327"/>
+            <a:off x="3409767" y="5056120"/>
             <a:ext cx="603431" cy="369332"/>
           </a:xfrm>
           <a:prstGeom prst="rect">
@@ -3988,8 +3989,8 @@
         </p:nvSpPr>
         <p:spPr>
           <a:xfrm>
-            <a:off x="3912283" y="4727080"/>
-            <a:ext cx="4343401" cy="847424"/>
+            <a:off x="3912283" y="4896852"/>
+            <a:ext cx="4343401" cy="689683"/>
           </a:xfrm>
           <a:prstGeom prst="roundRect">
             <a:avLst/>
@@ -4233,7 +4234,7 @@
       </p:grpSpPr>
       <p:pic>
         <p:nvPicPr>
-          <p:cNvPr id="8" name="Picture 7"/>
+          <p:cNvPr id="11" name="Picture 10"/>
           <p:cNvPicPr>
             <a:picLocks noChangeAspect="1"/>
           </p:cNvPicPr>
@@ -4253,48 +4254,858 @@
         </p:blipFill>
         <p:spPr>
           <a:xfrm>
-            <a:off x="0" y="0"/>
-            <a:ext cx="5360918" cy="3864038"/>
+            <a:off x="4013200" y="0"/>
+            <a:ext cx="4141571" cy="6858000"/>
           </a:xfrm>
           <a:prstGeom prst="rect">
             <a:avLst/>
           </a:prstGeom>
         </p:spPr>
       </p:pic>
-      <p:pic>
-        <p:nvPicPr>
-          <p:cNvPr id="9" name="Picture 8"/>
-          <p:cNvPicPr>
-            <a:picLocks noChangeAspect="1"/>
-          </p:cNvPicPr>
+      <p:sp>
+        <p:nvSpPr>
+          <p:cNvPr id="7" name="Rounded Rectangle 6"/>
+          <p:cNvSpPr/>
           <p:nvPr/>
-        </p:nvPicPr>
-        <p:blipFill>
-          <a:blip r:embed="rId3">
-            <a:extLst>
-              <a:ext uri="{28A0092B-C50C-407E-A947-70E740481C1C}">
-                <a14:useLocalDpi xmlns:a14="http://schemas.microsoft.com/office/drawing/2010/main" val="0"/>
-              </a:ext>
-            </a:extLst>
-          </a:blip>
-          <a:stretch>
-            <a:fillRect/>
-          </a:stretch>
-        </p:blipFill>
-        <p:spPr>
-          <a:xfrm>
-            <a:off x="0" y="3864038"/>
-            <a:ext cx="5522495" cy="2993962"/>
+        </p:nvSpPr>
+        <p:spPr>
+          <a:xfrm>
+            <a:off x="3912284" y="600618"/>
+            <a:ext cx="4343401" cy="574766"/>
+          </a:xfrm>
+          <a:prstGeom prst="roundRect">
+            <a:avLst/>
+          </a:prstGeom>
+          <a:noFill/>
+          <a:ln w="25400">
+            <a:solidFill>
+              <a:srgbClr val="FF0000"/>
+            </a:solidFill>
+          </a:ln>
+        </p:spPr>
+        <p:style>
+          <a:lnRef idx="2">
+            <a:schemeClr val="accent1">
+              <a:shade val="50000"/>
+            </a:schemeClr>
+          </a:lnRef>
+          <a:fillRef idx="1">
+            <a:schemeClr val="accent1"/>
+          </a:fillRef>
+          <a:effectRef idx="0">
+            <a:schemeClr val="accent1"/>
+          </a:effectRef>
+          <a:fontRef idx="minor">
+            <a:schemeClr val="lt1"/>
+          </a:fontRef>
+        </p:style>
+        <p:txBody>
+          <a:bodyPr rtlCol="0" anchor="ctr"/>
+          <a:lstStyle/>
+          <a:p>
+            <a:pPr algn="ctr"/>
+            <a:endParaRPr lang="en-US"/>
+          </a:p>
+        </p:txBody>
+      </p:sp>
+      <p:sp>
+        <p:nvSpPr>
+          <p:cNvPr id="8" name="TextBox 7"/>
+          <p:cNvSpPr txBox="1"/>
+          <p:nvPr/>
+        </p:nvSpPr>
+        <p:spPr>
+          <a:xfrm>
+            <a:off x="3409768" y="672745"/>
+            <a:ext cx="603431" cy="369332"/>
           </a:xfrm>
           <a:prstGeom prst="rect">
             <a:avLst/>
           </a:prstGeom>
-        </p:spPr>
-      </p:pic>
+          <a:noFill/>
+        </p:spPr>
+        <p:txBody>
+          <a:bodyPr wrap="square" rtlCol="0">
+            <a:spAutoFit/>
+          </a:bodyPr>
+          <a:lstStyle/>
+          <a:p>
+            <a:r>
+              <a:rPr lang="en-US" b="1" dirty="0" smtClean="0">
+                <a:solidFill>
+                  <a:srgbClr val="FF0000"/>
+                </a:solidFill>
+              </a:rPr>
+              <a:t>(1)</a:t>
+            </a:r>
+            <a:endParaRPr lang="en-US" b="1" dirty="0">
+              <a:solidFill>
+                <a:srgbClr val="FF0000"/>
+              </a:solidFill>
+            </a:endParaRPr>
+          </a:p>
+        </p:txBody>
+      </p:sp>
+      <p:sp>
+        <p:nvSpPr>
+          <p:cNvPr id="10" name="TextBox 9"/>
+          <p:cNvSpPr txBox="1"/>
+          <p:nvPr/>
+        </p:nvSpPr>
+        <p:spPr>
+          <a:xfrm>
+            <a:off x="3409767" y="1319638"/>
+            <a:ext cx="603431" cy="369332"/>
+          </a:xfrm>
+          <a:prstGeom prst="rect">
+            <a:avLst/>
+          </a:prstGeom>
+          <a:noFill/>
+        </p:spPr>
+        <p:txBody>
+          <a:bodyPr wrap="square" rtlCol="0">
+            <a:spAutoFit/>
+          </a:bodyPr>
+          <a:lstStyle/>
+          <a:p>
+            <a:r>
+              <a:rPr lang="en-US" b="1" dirty="0" smtClean="0">
+                <a:solidFill>
+                  <a:srgbClr val="FF0000"/>
+                </a:solidFill>
+              </a:rPr>
+              <a:t>(2)</a:t>
+            </a:r>
+            <a:endParaRPr lang="en-US" b="1" dirty="0">
+              <a:solidFill>
+                <a:srgbClr val="FF0000"/>
+              </a:solidFill>
+            </a:endParaRPr>
+          </a:p>
+        </p:txBody>
+      </p:sp>
+      <p:sp>
+        <p:nvSpPr>
+          <p:cNvPr id="12" name="Rounded Rectangle 11"/>
+          <p:cNvSpPr/>
+          <p:nvPr/>
+        </p:nvSpPr>
+        <p:spPr>
+          <a:xfrm>
+            <a:off x="3912283" y="1247511"/>
+            <a:ext cx="4343401" cy="574766"/>
+          </a:xfrm>
+          <a:prstGeom prst="roundRect">
+            <a:avLst/>
+          </a:prstGeom>
+          <a:noFill/>
+          <a:ln w="25400">
+            <a:solidFill>
+              <a:srgbClr val="FF0000"/>
+            </a:solidFill>
+          </a:ln>
+        </p:spPr>
+        <p:style>
+          <a:lnRef idx="2">
+            <a:schemeClr val="accent1">
+              <a:shade val="50000"/>
+            </a:schemeClr>
+          </a:lnRef>
+          <a:fillRef idx="1">
+            <a:schemeClr val="accent1"/>
+          </a:fillRef>
+          <a:effectRef idx="0">
+            <a:schemeClr val="accent1"/>
+          </a:effectRef>
+          <a:fontRef idx="minor">
+            <a:schemeClr val="lt1"/>
+          </a:fontRef>
+        </p:style>
+        <p:txBody>
+          <a:bodyPr rtlCol="0" anchor="ctr"/>
+          <a:lstStyle/>
+          <a:p>
+            <a:pPr algn="ctr"/>
+            <a:endParaRPr lang="en-US"/>
+          </a:p>
+        </p:txBody>
+      </p:sp>
+      <p:sp>
+        <p:nvSpPr>
+          <p:cNvPr id="13" name="TextBox 12"/>
+          <p:cNvSpPr txBox="1"/>
+          <p:nvPr/>
+        </p:nvSpPr>
+        <p:spPr>
+          <a:xfrm>
+            <a:off x="3409767" y="1935161"/>
+            <a:ext cx="603431" cy="369332"/>
+          </a:xfrm>
+          <a:prstGeom prst="rect">
+            <a:avLst/>
+          </a:prstGeom>
+          <a:noFill/>
+        </p:spPr>
+        <p:txBody>
+          <a:bodyPr wrap="square" rtlCol="0">
+            <a:spAutoFit/>
+          </a:bodyPr>
+          <a:lstStyle/>
+          <a:p>
+            <a:r>
+              <a:rPr lang="en-US" b="1" smtClean="0">
+                <a:solidFill>
+                  <a:srgbClr val="FF0000"/>
+                </a:solidFill>
+              </a:rPr>
+              <a:t>(3)</a:t>
+            </a:r>
+            <a:endParaRPr lang="en-US" b="1" dirty="0">
+              <a:solidFill>
+                <a:srgbClr val="FF0000"/>
+              </a:solidFill>
+            </a:endParaRPr>
+          </a:p>
+        </p:txBody>
+      </p:sp>
+      <p:sp>
+        <p:nvSpPr>
+          <p:cNvPr id="14" name="Rounded Rectangle 13"/>
+          <p:cNvSpPr/>
+          <p:nvPr/>
+        </p:nvSpPr>
+        <p:spPr>
+          <a:xfrm>
+            <a:off x="3912283" y="1906914"/>
+            <a:ext cx="4343401" cy="439246"/>
+          </a:xfrm>
+          <a:prstGeom prst="roundRect">
+            <a:avLst/>
+          </a:prstGeom>
+          <a:noFill/>
+          <a:ln w="25400">
+            <a:solidFill>
+              <a:srgbClr val="FF0000"/>
+            </a:solidFill>
+          </a:ln>
+        </p:spPr>
+        <p:style>
+          <a:lnRef idx="2">
+            <a:schemeClr val="accent1">
+              <a:shade val="50000"/>
+            </a:schemeClr>
+          </a:lnRef>
+          <a:fillRef idx="1">
+            <a:schemeClr val="accent1"/>
+          </a:fillRef>
+          <a:effectRef idx="0">
+            <a:schemeClr val="accent1"/>
+          </a:effectRef>
+          <a:fontRef idx="minor">
+            <a:schemeClr val="lt1"/>
+          </a:fontRef>
+        </p:style>
+        <p:txBody>
+          <a:bodyPr rtlCol="0" anchor="ctr"/>
+          <a:lstStyle/>
+          <a:p>
+            <a:pPr algn="ctr"/>
+            <a:endParaRPr lang="en-US"/>
+          </a:p>
+        </p:txBody>
+      </p:sp>
+      <p:sp>
+        <p:nvSpPr>
+          <p:cNvPr id="15" name="TextBox 14"/>
+          <p:cNvSpPr txBox="1"/>
+          <p:nvPr/>
+        </p:nvSpPr>
+        <p:spPr>
+          <a:xfrm>
+            <a:off x="3409767" y="2412167"/>
+            <a:ext cx="603431" cy="369332"/>
+          </a:xfrm>
+          <a:prstGeom prst="rect">
+            <a:avLst/>
+          </a:prstGeom>
+          <a:noFill/>
+        </p:spPr>
+        <p:txBody>
+          <a:bodyPr wrap="square" rtlCol="0">
+            <a:spAutoFit/>
+          </a:bodyPr>
+          <a:lstStyle/>
+          <a:p>
+            <a:r>
+              <a:rPr lang="en-US" b="1" dirty="0" smtClean="0">
+                <a:solidFill>
+                  <a:srgbClr val="FF0000"/>
+                </a:solidFill>
+              </a:rPr>
+              <a:t>(4)</a:t>
+            </a:r>
+            <a:endParaRPr lang="en-US" b="1" dirty="0">
+              <a:solidFill>
+                <a:srgbClr val="FF0000"/>
+              </a:solidFill>
+            </a:endParaRPr>
+          </a:p>
+        </p:txBody>
+      </p:sp>
+      <p:sp>
+        <p:nvSpPr>
+          <p:cNvPr id="16" name="Rounded Rectangle 15"/>
+          <p:cNvSpPr/>
+          <p:nvPr/>
+        </p:nvSpPr>
+        <p:spPr>
+          <a:xfrm>
+            <a:off x="3912283" y="2383920"/>
+            <a:ext cx="4343401" cy="439246"/>
+          </a:xfrm>
+          <a:prstGeom prst="roundRect">
+            <a:avLst/>
+          </a:prstGeom>
+          <a:noFill/>
+          <a:ln w="25400">
+            <a:solidFill>
+              <a:srgbClr val="FF0000"/>
+            </a:solidFill>
+          </a:ln>
+        </p:spPr>
+        <p:style>
+          <a:lnRef idx="2">
+            <a:schemeClr val="accent1">
+              <a:shade val="50000"/>
+            </a:schemeClr>
+          </a:lnRef>
+          <a:fillRef idx="1">
+            <a:schemeClr val="accent1"/>
+          </a:fillRef>
+          <a:effectRef idx="0">
+            <a:schemeClr val="accent1"/>
+          </a:effectRef>
+          <a:fontRef idx="minor">
+            <a:schemeClr val="lt1"/>
+          </a:fontRef>
+        </p:style>
+        <p:txBody>
+          <a:bodyPr rtlCol="0" anchor="ctr"/>
+          <a:lstStyle/>
+          <a:p>
+            <a:pPr algn="ctr"/>
+            <a:endParaRPr lang="en-US"/>
+          </a:p>
+        </p:txBody>
+      </p:sp>
+      <p:sp>
+        <p:nvSpPr>
+          <p:cNvPr id="17" name="TextBox 16"/>
+          <p:cNvSpPr txBox="1"/>
+          <p:nvPr/>
+        </p:nvSpPr>
+        <p:spPr>
+          <a:xfrm>
+            <a:off x="3409767" y="2887922"/>
+            <a:ext cx="603431" cy="369332"/>
+          </a:xfrm>
+          <a:prstGeom prst="rect">
+            <a:avLst/>
+          </a:prstGeom>
+          <a:noFill/>
+        </p:spPr>
+        <p:txBody>
+          <a:bodyPr wrap="square" rtlCol="0">
+            <a:spAutoFit/>
+          </a:bodyPr>
+          <a:lstStyle/>
+          <a:p>
+            <a:r>
+              <a:rPr lang="en-US" b="1" dirty="0" smtClean="0">
+                <a:solidFill>
+                  <a:srgbClr val="FF0000"/>
+                </a:solidFill>
+              </a:rPr>
+              <a:t>(5)</a:t>
+            </a:r>
+            <a:endParaRPr lang="en-US" b="1" dirty="0">
+              <a:solidFill>
+                <a:srgbClr val="FF0000"/>
+              </a:solidFill>
+            </a:endParaRPr>
+          </a:p>
+        </p:txBody>
+      </p:sp>
+      <p:sp>
+        <p:nvSpPr>
+          <p:cNvPr id="18" name="Rounded Rectangle 17"/>
+          <p:cNvSpPr/>
+          <p:nvPr/>
+        </p:nvSpPr>
+        <p:spPr>
+          <a:xfrm>
+            <a:off x="3912283" y="2859675"/>
+            <a:ext cx="4343401" cy="439246"/>
+          </a:xfrm>
+          <a:prstGeom prst="roundRect">
+            <a:avLst/>
+          </a:prstGeom>
+          <a:noFill/>
+          <a:ln w="25400">
+            <a:solidFill>
+              <a:srgbClr val="FF0000"/>
+            </a:solidFill>
+          </a:ln>
+        </p:spPr>
+        <p:style>
+          <a:lnRef idx="2">
+            <a:schemeClr val="accent1">
+              <a:shade val="50000"/>
+            </a:schemeClr>
+          </a:lnRef>
+          <a:fillRef idx="1">
+            <a:schemeClr val="accent1"/>
+          </a:fillRef>
+          <a:effectRef idx="0">
+            <a:schemeClr val="accent1"/>
+          </a:effectRef>
+          <a:fontRef idx="minor">
+            <a:schemeClr val="lt1"/>
+          </a:fontRef>
+        </p:style>
+        <p:txBody>
+          <a:bodyPr rtlCol="0" anchor="ctr"/>
+          <a:lstStyle/>
+          <a:p>
+            <a:pPr algn="ctr"/>
+            <a:endParaRPr lang="en-US"/>
+          </a:p>
+        </p:txBody>
+      </p:sp>
+      <p:sp>
+        <p:nvSpPr>
+          <p:cNvPr id="19" name="TextBox 18"/>
+          <p:cNvSpPr txBox="1"/>
+          <p:nvPr/>
+        </p:nvSpPr>
+        <p:spPr>
+          <a:xfrm>
+            <a:off x="3409767" y="3537282"/>
+            <a:ext cx="603431" cy="369332"/>
+          </a:xfrm>
+          <a:prstGeom prst="rect">
+            <a:avLst/>
+          </a:prstGeom>
+          <a:noFill/>
+        </p:spPr>
+        <p:txBody>
+          <a:bodyPr wrap="square" rtlCol="0">
+            <a:spAutoFit/>
+          </a:bodyPr>
+          <a:lstStyle/>
+          <a:p>
+            <a:r>
+              <a:rPr lang="en-US" b="1" dirty="0" smtClean="0">
+                <a:solidFill>
+                  <a:srgbClr val="FF0000"/>
+                </a:solidFill>
+              </a:rPr>
+              <a:t>(6)</a:t>
+            </a:r>
+            <a:endParaRPr lang="en-US" b="1" dirty="0">
+              <a:solidFill>
+                <a:srgbClr val="FF0000"/>
+              </a:solidFill>
+            </a:endParaRPr>
+          </a:p>
+        </p:txBody>
+      </p:sp>
+      <p:sp>
+        <p:nvSpPr>
+          <p:cNvPr id="20" name="Rounded Rectangle 19"/>
+          <p:cNvSpPr/>
+          <p:nvPr/>
+        </p:nvSpPr>
+        <p:spPr>
+          <a:xfrm>
+            <a:off x="3912283" y="3509035"/>
+            <a:ext cx="4343401" cy="439246"/>
+          </a:xfrm>
+          <a:prstGeom prst="roundRect">
+            <a:avLst/>
+          </a:prstGeom>
+          <a:noFill/>
+          <a:ln w="25400">
+            <a:solidFill>
+              <a:srgbClr val="FF0000"/>
+            </a:solidFill>
+          </a:ln>
+        </p:spPr>
+        <p:style>
+          <a:lnRef idx="2">
+            <a:schemeClr val="accent1">
+              <a:shade val="50000"/>
+            </a:schemeClr>
+          </a:lnRef>
+          <a:fillRef idx="1">
+            <a:schemeClr val="accent1"/>
+          </a:fillRef>
+          <a:effectRef idx="0">
+            <a:schemeClr val="accent1"/>
+          </a:effectRef>
+          <a:fontRef idx="minor">
+            <a:schemeClr val="lt1"/>
+          </a:fontRef>
+        </p:style>
+        <p:txBody>
+          <a:bodyPr rtlCol="0" anchor="ctr"/>
+          <a:lstStyle/>
+          <a:p>
+            <a:pPr algn="ctr"/>
+            <a:endParaRPr lang="en-US"/>
+          </a:p>
+        </p:txBody>
+      </p:sp>
+      <p:sp>
+        <p:nvSpPr>
+          <p:cNvPr id="21" name="TextBox 20"/>
+          <p:cNvSpPr txBox="1"/>
+          <p:nvPr/>
+        </p:nvSpPr>
+        <p:spPr>
+          <a:xfrm>
+            <a:off x="3409767" y="4139737"/>
+            <a:ext cx="603431" cy="369332"/>
+          </a:xfrm>
+          <a:prstGeom prst="rect">
+            <a:avLst/>
+          </a:prstGeom>
+          <a:noFill/>
+        </p:spPr>
+        <p:txBody>
+          <a:bodyPr wrap="square" rtlCol="0">
+            <a:spAutoFit/>
+          </a:bodyPr>
+          <a:lstStyle/>
+          <a:p>
+            <a:r>
+              <a:rPr lang="en-US" b="1" dirty="0" smtClean="0">
+                <a:solidFill>
+                  <a:srgbClr val="FF0000"/>
+                </a:solidFill>
+              </a:rPr>
+              <a:t>(7)</a:t>
+            </a:r>
+            <a:endParaRPr lang="en-US" b="1" dirty="0">
+              <a:solidFill>
+                <a:srgbClr val="FF0000"/>
+              </a:solidFill>
+            </a:endParaRPr>
+          </a:p>
+        </p:txBody>
+      </p:sp>
+      <p:sp>
+        <p:nvSpPr>
+          <p:cNvPr id="22" name="Rounded Rectangle 21"/>
+          <p:cNvSpPr/>
+          <p:nvPr/>
+        </p:nvSpPr>
+        <p:spPr>
+          <a:xfrm>
+            <a:off x="3912283" y="4111490"/>
+            <a:ext cx="4343401" cy="439246"/>
+          </a:xfrm>
+          <a:prstGeom prst="roundRect">
+            <a:avLst/>
+          </a:prstGeom>
+          <a:noFill/>
+          <a:ln w="25400">
+            <a:solidFill>
+              <a:srgbClr val="FF0000"/>
+            </a:solidFill>
+          </a:ln>
+        </p:spPr>
+        <p:style>
+          <a:lnRef idx="2">
+            <a:schemeClr val="accent1">
+              <a:shade val="50000"/>
+            </a:schemeClr>
+          </a:lnRef>
+          <a:fillRef idx="1">
+            <a:schemeClr val="accent1"/>
+          </a:fillRef>
+          <a:effectRef idx="0">
+            <a:schemeClr val="accent1"/>
+          </a:effectRef>
+          <a:fontRef idx="minor">
+            <a:schemeClr val="lt1"/>
+          </a:fontRef>
+        </p:style>
+        <p:txBody>
+          <a:bodyPr rtlCol="0" anchor="ctr"/>
+          <a:lstStyle/>
+          <a:p>
+            <a:pPr algn="ctr"/>
+            <a:endParaRPr lang="en-US"/>
+          </a:p>
+        </p:txBody>
+      </p:sp>
+      <p:sp>
+        <p:nvSpPr>
+          <p:cNvPr id="23" name="TextBox 22"/>
+          <p:cNvSpPr txBox="1"/>
+          <p:nvPr/>
+        </p:nvSpPr>
+        <p:spPr>
+          <a:xfrm>
+            <a:off x="3409767" y="4755327"/>
+            <a:ext cx="603431" cy="369332"/>
+          </a:xfrm>
+          <a:prstGeom prst="rect">
+            <a:avLst/>
+          </a:prstGeom>
+          <a:noFill/>
+        </p:spPr>
+        <p:txBody>
+          <a:bodyPr wrap="square" rtlCol="0">
+            <a:spAutoFit/>
+          </a:bodyPr>
+          <a:lstStyle/>
+          <a:p>
+            <a:r>
+              <a:rPr lang="en-US" b="1" dirty="0" smtClean="0">
+                <a:solidFill>
+                  <a:srgbClr val="FF0000"/>
+                </a:solidFill>
+              </a:rPr>
+              <a:t>(8)</a:t>
+            </a:r>
+            <a:endParaRPr lang="en-US" b="1" dirty="0">
+              <a:solidFill>
+                <a:srgbClr val="FF0000"/>
+              </a:solidFill>
+            </a:endParaRPr>
+          </a:p>
+        </p:txBody>
+      </p:sp>
+      <p:sp>
+        <p:nvSpPr>
+          <p:cNvPr id="24" name="Rounded Rectangle 23"/>
+          <p:cNvSpPr/>
+          <p:nvPr/>
+        </p:nvSpPr>
+        <p:spPr>
+          <a:xfrm>
+            <a:off x="3912283" y="4727080"/>
+            <a:ext cx="4343401" cy="847424"/>
+          </a:xfrm>
+          <a:prstGeom prst="roundRect">
+            <a:avLst/>
+          </a:prstGeom>
+          <a:noFill/>
+          <a:ln w="25400">
+            <a:solidFill>
+              <a:srgbClr val="FF0000"/>
+            </a:solidFill>
+          </a:ln>
+        </p:spPr>
+        <p:style>
+          <a:lnRef idx="2">
+            <a:schemeClr val="accent1">
+              <a:shade val="50000"/>
+            </a:schemeClr>
+          </a:lnRef>
+          <a:fillRef idx="1">
+            <a:schemeClr val="accent1"/>
+          </a:fillRef>
+          <a:effectRef idx="0">
+            <a:schemeClr val="accent1"/>
+          </a:effectRef>
+          <a:fontRef idx="minor">
+            <a:schemeClr val="lt1"/>
+          </a:fontRef>
+        </p:style>
+        <p:txBody>
+          <a:bodyPr rtlCol="0" anchor="ctr"/>
+          <a:lstStyle/>
+          <a:p>
+            <a:pPr algn="ctr"/>
+            <a:endParaRPr lang="en-US"/>
+          </a:p>
+        </p:txBody>
+      </p:sp>
+      <p:sp>
+        <p:nvSpPr>
+          <p:cNvPr id="25" name="TextBox 24"/>
+          <p:cNvSpPr txBox="1"/>
+          <p:nvPr/>
+        </p:nvSpPr>
+        <p:spPr>
+          <a:xfrm>
+            <a:off x="3409767" y="5779095"/>
+            <a:ext cx="603431" cy="369332"/>
+          </a:xfrm>
+          <a:prstGeom prst="rect">
+            <a:avLst/>
+          </a:prstGeom>
+          <a:noFill/>
+        </p:spPr>
+        <p:txBody>
+          <a:bodyPr wrap="square" rtlCol="0">
+            <a:spAutoFit/>
+          </a:bodyPr>
+          <a:lstStyle/>
+          <a:p>
+            <a:r>
+              <a:rPr lang="en-US" b="1" dirty="0" smtClean="0">
+                <a:solidFill>
+                  <a:srgbClr val="FF0000"/>
+                </a:solidFill>
+              </a:rPr>
+              <a:t>(9)</a:t>
+            </a:r>
+            <a:endParaRPr lang="en-US" b="1" dirty="0">
+              <a:solidFill>
+                <a:srgbClr val="FF0000"/>
+              </a:solidFill>
+            </a:endParaRPr>
+          </a:p>
+        </p:txBody>
+      </p:sp>
+      <p:sp>
+        <p:nvSpPr>
+          <p:cNvPr id="26" name="Rounded Rectangle 25"/>
+          <p:cNvSpPr/>
+          <p:nvPr/>
+        </p:nvSpPr>
+        <p:spPr>
+          <a:xfrm>
+            <a:off x="3912283" y="5750848"/>
+            <a:ext cx="4343401" cy="439246"/>
+          </a:xfrm>
+          <a:prstGeom prst="roundRect">
+            <a:avLst/>
+          </a:prstGeom>
+          <a:noFill/>
+          <a:ln w="25400">
+            <a:solidFill>
+              <a:srgbClr val="FF0000"/>
+            </a:solidFill>
+          </a:ln>
+        </p:spPr>
+        <p:style>
+          <a:lnRef idx="2">
+            <a:schemeClr val="accent1">
+              <a:shade val="50000"/>
+            </a:schemeClr>
+          </a:lnRef>
+          <a:fillRef idx="1">
+            <a:schemeClr val="accent1"/>
+          </a:fillRef>
+          <a:effectRef idx="0">
+            <a:schemeClr val="accent1"/>
+          </a:effectRef>
+          <a:fontRef idx="minor">
+            <a:schemeClr val="lt1"/>
+          </a:fontRef>
+        </p:style>
+        <p:txBody>
+          <a:bodyPr rtlCol="0" anchor="ctr"/>
+          <a:lstStyle/>
+          <a:p>
+            <a:pPr algn="ctr"/>
+            <a:endParaRPr lang="en-US"/>
+          </a:p>
+        </p:txBody>
+      </p:sp>
+      <p:sp>
+        <p:nvSpPr>
+          <p:cNvPr id="27" name="TextBox 26"/>
+          <p:cNvSpPr txBox="1"/>
+          <p:nvPr/>
+        </p:nvSpPr>
+        <p:spPr>
+          <a:xfrm>
+            <a:off x="3409767" y="6384215"/>
+            <a:ext cx="603431" cy="369332"/>
+          </a:xfrm>
+          <a:prstGeom prst="rect">
+            <a:avLst/>
+          </a:prstGeom>
+          <a:noFill/>
+        </p:spPr>
+        <p:txBody>
+          <a:bodyPr wrap="square" rtlCol="0">
+            <a:spAutoFit/>
+          </a:bodyPr>
+          <a:lstStyle/>
+          <a:p>
+            <a:r>
+              <a:rPr lang="en-US" b="1" dirty="0" smtClean="0">
+                <a:solidFill>
+                  <a:srgbClr val="FF0000"/>
+                </a:solidFill>
+              </a:rPr>
+              <a:t>(10)</a:t>
+            </a:r>
+            <a:endParaRPr lang="en-US" b="1" dirty="0">
+              <a:solidFill>
+                <a:srgbClr val="FF0000"/>
+              </a:solidFill>
+            </a:endParaRPr>
+          </a:p>
+        </p:txBody>
+      </p:sp>
+      <p:sp>
+        <p:nvSpPr>
+          <p:cNvPr id="28" name="Rounded Rectangle 27"/>
+          <p:cNvSpPr/>
+          <p:nvPr/>
+        </p:nvSpPr>
+        <p:spPr>
+          <a:xfrm>
+            <a:off x="3912283" y="6355968"/>
+            <a:ext cx="4343401" cy="439246"/>
+          </a:xfrm>
+          <a:prstGeom prst="roundRect">
+            <a:avLst/>
+          </a:prstGeom>
+          <a:noFill/>
+          <a:ln w="25400">
+            <a:solidFill>
+              <a:srgbClr val="FF0000"/>
+            </a:solidFill>
+          </a:ln>
+        </p:spPr>
+        <p:style>
+          <a:lnRef idx="2">
+            <a:schemeClr val="accent1">
+              <a:shade val="50000"/>
+            </a:schemeClr>
+          </a:lnRef>
+          <a:fillRef idx="1">
+            <a:schemeClr val="accent1"/>
+          </a:fillRef>
+          <a:effectRef idx="0">
+            <a:schemeClr val="accent1"/>
+          </a:effectRef>
+          <a:fontRef idx="minor">
+            <a:schemeClr val="lt1"/>
+          </a:fontRef>
+        </p:style>
+        <p:txBody>
+          <a:bodyPr rtlCol="0" anchor="ctr"/>
+          <a:lstStyle/>
+          <a:p>
+            <a:pPr algn="ctr"/>
+            <a:endParaRPr lang="en-US"/>
+          </a:p>
+        </p:txBody>
+      </p:sp>
     </p:spTree>
     <p:extLst>
       <p:ext uri="{BB962C8B-B14F-4D97-AF65-F5344CB8AC3E}">
-        <p14:creationId xmlns:p14="http://schemas.microsoft.com/office/powerpoint/2010/main" val="254791904"/>
+        <p14:creationId xmlns:p14="http://schemas.microsoft.com/office/powerpoint/2010/main" val="1204901996"/>
       </p:ext>
     </p:extLst>
   </p:cSld>
@@ -4328,178 +5139,70 @@
           <a:chExt cx="0" cy="0"/>
         </a:xfrm>
       </p:grpSpPr>
-      <p:sp>
-        <p:nvSpPr>
-          <p:cNvPr id="3" name="Rounded Rectangle 2"/>
-          <p:cNvSpPr/>
+      <p:pic>
+        <p:nvPicPr>
+          <p:cNvPr id="2" name="Picture 1"/>
+          <p:cNvPicPr>
+            <a:picLocks noChangeAspect="1"/>
+          </p:cNvPicPr>
           <p:nvPr/>
-        </p:nvSpPr>
-        <p:spPr>
-          <a:xfrm>
-            <a:off x="1701800" y="12031"/>
-            <a:ext cx="8781964" cy="3272589"/>
-          </a:xfrm>
-          <a:prstGeom prst="roundRect">
-            <a:avLst/>
-          </a:prstGeom>
-          <a:noFill/>
-          <a:ln w="25400">
-            <a:solidFill>
-              <a:srgbClr val="FF0000"/>
-            </a:solidFill>
-          </a:ln>
-        </p:spPr>
-        <p:style>
-          <a:lnRef idx="2">
-            <a:schemeClr val="accent1">
-              <a:shade val="50000"/>
-            </a:schemeClr>
-          </a:lnRef>
-          <a:fillRef idx="1">
-            <a:schemeClr val="accent1"/>
-          </a:fillRef>
-          <a:effectRef idx="0">
-            <a:schemeClr val="accent1"/>
-          </a:effectRef>
-          <a:fontRef idx="minor">
-            <a:schemeClr val="lt1"/>
-          </a:fontRef>
-        </p:style>
-        <p:txBody>
-          <a:bodyPr rtlCol="0" anchor="ctr"/>
-          <a:lstStyle/>
-          <a:p>
-            <a:pPr algn="ctr"/>
-            <a:endParaRPr lang="en-US"/>
-          </a:p>
-        </p:txBody>
-      </p:sp>
-      <p:sp>
-        <p:nvSpPr>
-          <p:cNvPr id="4" name="TextBox 3"/>
-          <p:cNvSpPr txBox="1"/>
-          <p:nvPr/>
-        </p:nvSpPr>
-        <p:spPr>
-          <a:xfrm>
-            <a:off x="1192443" y="114749"/>
-            <a:ext cx="603431" cy="369332"/>
+        </p:nvPicPr>
+        <p:blipFill>
+          <a:blip r:embed="rId2">
+            <a:extLst>
+              <a:ext uri="{28A0092B-C50C-407E-A947-70E740481C1C}">
+                <a14:useLocalDpi xmlns:a14="http://schemas.microsoft.com/office/drawing/2010/main" val="0"/>
+              </a:ext>
+            </a:extLst>
+          </a:blip>
+          <a:stretch>
+            <a:fillRect/>
+          </a:stretch>
+        </p:blipFill>
+        <p:spPr>
+          <a:xfrm>
+            <a:off x="0" y="0"/>
+            <a:ext cx="6117536" cy="4149728"/>
           </a:xfrm>
           <a:prstGeom prst="rect">
             <a:avLst/>
           </a:prstGeom>
-          <a:noFill/>
-        </p:spPr>
-        <p:txBody>
-          <a:bodyPr wrap="square" rtlCol="0">
-            <a:spAutoFit/>
-          </a:bodyPr>
-          <a:lstStyle/>
-          <a:p>
-            <a:r>
-              <a:rPr lang="en-US" b="1" dirty="0" smtClean="0">
-                <a:solidFill>
-                  <a:srgbClr val="FF0000"/>
-                </a:solidFill>
-              </a:rPr>
-              <a:t>(1)</a:t>
-            </a:r>
-            <a:endParaRPr lang="en-US" b="1" dirty="0">
-              <a:solidFill>
-                <a:srgbClr val="FF0000"/>
-              </a:solidFill>
-            </a:endParaRPr>
-          </a:p>
-        </p:txBody>
-      </p:sp>
-      <p:sp>
-        <p:nvSpPr>
-          <p:cNvPr id="5" name="Rounded Rectangle 4"/>
-          <p:cNvSpPr/>
+        </p:spPr>
+      </p:pic>
+      <p:pic>
+        <p:nvPicPr>
+          <p:cNvPr id="3" name="Picture 2"/>
+          <p:cNvPicPr>
+            <a:picLocks noChangeAspect="1"/>
+          </p:cNvPicPr>
           <p:nvPr/>
-        </p:nvSpPr>
-        <p:spPr>
-          <a:xfrm>
-            <a:off x="1701800" y="3741821"/>
-            <a:ext cx="3965074" cy="3086549"/>
-          </a:xfrm>
-          <a:prstGeom prst="roundRect">
-            <a:avLst/>
-          </a:prstGeom>
-          <a:noFill/>
-          <a:ln w="25400">
-            <a:solidFill>
-              <a:srgbClr val="FF0000"/>
-            </a:solidFill>
-          </a:ln>
-        </p:spPr>
-        <p:style>
-          <a:lnRef idx="2">
-            <a:schemeClr val="accent1">
-              <a:shade val="50000"/>
-            </a:schemeClr>
-          </a:lnRef>
-          <a:fillRef idx="1">
-            <a:schemeClr val="accent1"/>
-          </a:fillRef>
-          <a:effectRef idx="0">
-            <a:schemeClr val="accent1"/>
-          </a:effectRef>
-          <a:fontRef idx="minor">
-            <a:schemeClr val="lt1"/>
-          </a:fontRef>
-        </p:style>
-        <p:txBody>
-          <a:bodyPr rtlCol="0" anchor="ctr"/>
-          <a:lstStyle/>
-          <a:p>
-            <a:pPr algn="ctr"/>
-            <a:endParaRPr lang="en-US"/>
-          </a:p>
-        </p:txBody>
-      </p:sp>
-      <p:sp>
-        <p:nvSpPr>
-          <p:cNvPr id="6" name="TextBox 5"/>
-          <p:cNvSpPr txBox="1"/>
-          <p:nvPr/>
-        </p:nvSpPr>
-        <p:spPr>
-          <a:xfrm>
-            <a:off x="1192443" y="3622403"/>
-            <a:ext cx="603431" cy="369332"/>
+        </p:nvPicPr>
+        <p:blipFill>
+          <a:blip r:embed="rId3">
+            <a:extLst>
+              <a:ext uri="{28A0092B-C50C-407E-A947-70E740481C1C}">
+                <a14:useLocalDpi xmlns:a14="http://schemas.microsoft.com/office/drawing/2010/main" val="0"/>
+              </a:ext>
+            </a:extLst>
+          </a:blip>
+          <a:stretch>
+            <a:fillRect/>
+          </a:stretch>
+        </p:blipFill>
+        <p:spPr>
+          <a:xfrm>
+            <a:off x="-1" y="4174959"/>
+            <a:ext cx="6117537" cy="2683042"/>
           </a:xfrm>
           <a:prstGeom prst="rect">
             <a:avLst/>
           </a:prstGeom>
-          <a:noFill/>
-        </p:spPr>
-        <p:txBody>
-          <a:bodyPr wrap="square" rtlCol="0">
-            <a:spAutoFit/>
-          </a:bodyPr>
-          <a:lstStyle/>
-          <a:p>
-            <a:r>
-              <a:rPr lang="en-US" b="1" dirty="0" smtClean="0">
-                <a:solidFill>
-                  <a:srgbClr val="FF0000"/>
-                </a:solidFill>
-              </a:rPr>
-              <a:t>(2)</a:t>
-            </a:r>
-            <a:endParaRPr lang="en-US" b="1" dirty="0">
-              <a:solidFill>
-                <a:srgbClr val="FF0000"/>
-              </a:solidFill>
-            </a:endParaRPr>
-          </a:p>
-        </p:txBody>
-      </p:sp>
+        </p:spPr>
+      </p:pic>
     </p:spTree>
     <p:extLst>
       <p:ext uri="{BB962C8B-B14F-4D97-AF65-F5344CB8AC3E}">
-        <p14:creationId xmlns:p14="http://schemas.microsoft.com/office/powerpoint/2010/main" val="625419688"/>
+        <p14:creationId xmlns:p14="http://schemas.microsoft.com/office/powerpoint/2010/main" val="254791904"/>
       </p:ext>
     </p:extLst>
   </p:cSld>
@@ -4513,6 +5216,66 @@
       </p:par>
     </p:tnLst>
   </p:timing>
+</p:sld>
+</file>
+
+<file path=ppt/slides/slide4.xml><?xml version="1.0" encoding="utf-8"?>
+<p:sld xmlns:a="http://schemas.openxmlformats.org/drawingml/2006/main" xmlns:r="http://schemas.openxmlformats.org/officeDocument/2006/relationships" xmlns:p="http://schemas.openxmlformats.org/presentationml/2006/main">
+  <p:cSld>
+    <p:spTree>
+      <p:nvGrpSpPr>
+        <p:cNvPr id="1" name=""/>
+        <p:cNvGrpSpPr/>
+        <p:nvPr/>
+      </p:nvGrpSpPr>
+      <p:grpSpPr>
+        <a:xfrm>
+          <a:off x="0" y="0"/>
+          <a:ext cx="0" cy="0"/>
+          <a:chOff x="0" y="0"/>
+          <a:chExt cx="0" cy="0"/>
+        </a:xfrm>
+      </p:grpSpPr>
+      <p:pic>
+        <p:nvPicPr>
+          <p:cNvPr id="2" name="Picture 1"/>
+          <p:cNvPicPr>
+            <a:picLocks noChangeAspect="1"/>
+          </p:cNvPicPr>
+          <p:nvPr/>
+        </p:nvPicPr>
+        <p:blipFill>
+          <a:blip r:embed="rId2">
+            <a:extLst>
+              <a:ext uri="{28A0092B-C50C-407E-A947-70E740481C1C}">
+                <a14:useLocalDpi xmlns:a14="http://schemas.microsoft.com/office/drawing/2010/main" val="0"/>
+              </a:ext>
+            </a:extLst>
+          </a:blip>
+          <a:stretch>
+            <a:fillRect/>
+          </a:stretch>
+        </p:blipFill>
+        <p:spPr>
+          <a:xfrm>
+            <a:off x="0" y="1295400"/>
+            <a:ext cx="12192000" cy="4250890"/>
+          </a:xfrm>
+          <a:prstGeom prst="rect">
+            <a:avLst/>
+          </a:prstGeom>
+        </p:spPr>
+      </p:pic>
+    </p:spTree>
+    <p:extLst>
+      <p:ext uri="{BB962C8B-B14F-4D97-AF65-F5344CB8AC3E}">
+        <p14:creationId xmlns:p14="http://schemas.microsoft.com/office/powerpoint/2010/main" val="543193339"/>
+      </p:ext>
+    </p:extLst>
+  </p:cSld>
+  <p:clrMapOvr>
+    <a:masterClrMapping/>
+  </p:clrMapOvr>
 </p:sld>
 </file>
 
